--- a/ppt/2016182037-스크립트언어 1차발표.pptx
+++ b/ppt/2016182037-스크립트언어 1차발표.pptx
@@ -5554,7 +5554,7 @@
         <p:grpSpPr>
           <a:xfrm>
             <a:off x="1562595" y="1994578"/>
-            <a:ext cx="9393989" cy="916627"/>
+            <a:ext cx="10119653" cy="916627"/>
             <a:chOff x="1859092" y="3672975"/>
             <a:chExt cx="9393989" cy="916627"/>
           </a:xfrm>
@@ -5610,7 +5610,7 @@
           <p:spPr>
             <a:xfrm>
               <a:off x="2834238" y="3672975"/>
-              <a:ext cx="8418843" cy="784830"/>
+              <a:ext cx="8418843" cy="861774"/>
             </a:xfrm>
             <a:prstGeom prst="rect">
               <a:avLst/>
@@ -5629,7 +5629,15 @@
                   <a:ea typeface="함초롬돋움" panose="020B0604000101010101" pitchFamily="50" charset="-127"/>
                   <a:cs typeface="함초롬돋움" panose="020B0604000101010101" pitchFamily="50" charset="-127"/>
                 </a:rPr>
-                <a:t> 위치 입력을 통해 주변 병원 검색</a:t>
+                <a:t> </a:t>
+              </a:r>
+              <a:r>
+                <a:rPr lang="ko-KR" altLang="en-US" sz="5000" b="1" dirty="0">
+                  <a:latin typeface="함초롬돋움" panose="020B0604000101010101" pitchFamily="50" charset="-127"/>
+                  <a:ea typeface="함초롬돋움" panose="020B0604000101010101" pitchFamily="50" charset="-127"/>
+                  <a:cs typeface="함초롬돋움" panose="020B0604000101010101" pitchFamily="50" charset="-127"/>
+                </a:rPr>
+                <a:t>주변 병원 검색 기능</a:t>
               </a:r>
             </a:p>
           </p:txBody>
@@ -6285,7 +6293,7 @@
         <p:spPr>
           <a:xfrm>
             <a:off x="2537741" y="1994578"/>
-            <a:ext cx="8418843" cy="784830"/>
+            <a:ext cx="8418843" cy="861774"/>
           </a:xfrm>
           <a:prstGeom prst="rect">
             <a:avLst/>
@@ -6304,7 +6312,15 @@
                 <a:ea typeface="함초롬돋움" panose="020B0604000101010101" pitchFamily="50" charset="-127"/>
                 <a:cs typeface="함초롬돋움" panose="020B0604000101010101" pitchFamily="50" charset="-127"/>
               </a:rPr>
-              <a:t> 지도에 병원 위치 출력</a:t>
+              <a:t>  </a:t>
+            </a:r>
+            <a:r>
+              <a:rPr lang="ko-KR" altLang="en-US" sz="5000" b="1" dirty="0">
+                <a:latin typeface="함초롬돋움" panose="020B0604000101010101" pitchFamily="50" charset="-127"/>
+                <a:ea typeface="함초롬돋움" panose="020B0604000101010101" pitchFamily="50" charset="-127"/>
+                <a:cs typeface="함초롬돋움" panose="020B0604000101010101" pitchFamily="50" charset="-127"/>
+              </a:rPr>
+              <a:t>지도에 병원 위치 출력 기능</a:t>
             </a:r>
           </a:p>
         </p:txBody>
@@ -6407,7 +6423,7 @@
                 <a:ea typeface="함초롬돋움" panose="020B0604000101010101" pitchFamily="50" charset="-127"/>
                 <a:cs typeface="함초롬돋움" panose="020B0604000101010101" pitchFamily="50" charset="-127"/>
               </a:rPr>
-              <a:t> 병원 정보 메일전송 및 링크</a:t>
+              <a:t>  메일전송 및 링크 기능</a:t>
             </a:r>
           </a:p>
         </p:txBody>
@@ -6877,10 +6893,10 @@
         </p:nvGrpSpPr>
         <p:grpSpPr>
           <a:xfrm>
-            <a:off x="1503216" y="1994578"/>
-            <a:ext cx="9453368" cy="871078"/>
-            <a:chOff x="1503216" y="1994578"/>
-            <a:chExt cx="9453368" cy="871078"/>
+            <a:off x="1510487" y="1994578"/>
+            <a:ext cx="9446097" cy="871078"/>
+            <a:chOff x="1510487" y="1994578"/>
+            <a:chExt cx="9446097" cy="871078"/>
           </a:xfrm>
         </p:grpSpPr>
         <p:sp>
@@ -6898,7 +6914,7 @@
           <p:spPr>
             <a:xfrm>
               <a:off x="2537741" y="1994578"/>
-              <a:ext cx="8418843" cy="784830"/>
+              <a:ext cx="8418843" cy="861774"/>
             </a:xfrm>
             <a:prstGeom prst="rect">
               <a:avLst/>
@@ -6912,15 +6928,15 @@
             <a:lstStyle/>
             <a:p>
               <a:r>
-                <a:rPr lang="ko-KR" altLang="en-US" sz="4500" b="1" dirty="0">
+                <a:rPr lang="ko-KR" altLang="en-US" sz="5000" b="1" dirty="0">
                   <a:latin typeface="함초롬돋움" panose="020B0604000101010101" pitchFamily="50" charset="-127"/>
                   <a:ea typeface="함초롬돋움" panose="020B0604000101010101" pitchFamily="50" charset="-127"/>
                   <a:cs typeface="함초롬돋움" panose="020B0604000101010101" pitchFamily="50" charset="-127"/>
                 </a:rPr>
-                <a:t> </a:t>
+                <a:t>  </a:t>
               </a:r>
               <a:r>
-                <a:rPr lang="ko-KR" altLang="en-US" sz="4500" b="1" dirty="0" err="1">
+                <a:rPr lang="ko-KR" altLang="en-US" sz="5000" b="1" dirty="0" err="1">
                   <a:latin typeface="함초롬돋움" panose="020B0604000101010101" pitchFamily="50" charset="-127"/>
                   <a:ea typeface="함초롬돋움" panose="020B0604000101010101" pitchFamily="50" charset="-127"/>
                   <a:cs typeface="함초롬돋움" panose="020B0604000101010101" pitchFamily="50" charset="-127"/>
@@ -6928,7 +6944,7 @@
                 <a:t>텔레그램봇</a:t>
               </a:r>
               <a:r>
-                <a:rPr lang="ko-KR" altLang="en-US" sz="4500" b="1" dirty="0">
+                <a:rPr lang="ko-KR" altLang="en-US" sz="5000" b="1" dirty="0">
                   <a:latin typeface="함초롬돋움" panose="020B0604000101010101" pitchFamily="50" charset="-127"/>
                   <a:ea typeface="함초롬돋움" panose="020B0604000101010101" pitchFamily="50" charset="-127"/>
                   <a:cs typeface="함초롬돋움" panose="020B0604000101010101" pitchFamily="50" charset="-127"/>
@@ -6966,7 +6982,7 @@
           </p:blipFill>
           <p:spPr>
             <a:xfrm>
-              <a:off x="1503216" y="1994578"/>
+              <a:off x="1510487" y="1994578"/>
               <a:ext cx="871078" cy="871078"/>
             </a:xfrm>
             <a:prstGeom prst="rect">
@@ -7029,7 +7045,7 @@
                   <a:ea typeface="함초롬돋움" panose="020B0604000101010101" pitchFamily="50" charset="-127"/>
                   <a:cs typeface="함초롬돋움" panose="020B0604000101010101" pitchFamily="50" charset="-127"/>
                 </a:rPr>
-                <a:t> </a:t>
+                <a:t>  </a:t>
               </a:r>
               <a:r>
                 <a:rPr lang="ko-KR" altLang="en-US" sz="3000" b="1" dirty="0">
@@ -7413,7 +7429,7 @@
           <p:nvPr>
             <p:extLst>
               <p:ext uri="{D42A27DB-BD31-4B8C-83A1-F6EECF244321}">
-                <p14:modId xmlns:p14="http://schemas.microsoft.com/office/powerpoint/2010/main" val="717284750"/>
+                <p14:modId xmlns:p14="http://schemas.microsoft.com/office/powerpoint/2010/main" val="3736674133"/>
               </p:ext>
             </p:extLst>
           </p:nvPr>
@@ -7618,7 +7634,7 @@
                       </a:r>
                       <a:r>
                         <a:rPr lang="ko-KR" altLang="en-US" sz="1600" b="1" dirty="0"/>
-                        <a:t>찾기 및 가용한 주제 선성</a:t>
+                        <a:t>찾기 및 가용한 주제 선정</a:t>
                       </a:r>
                     </a:p>
                   </a:txBody>
@@ -7901,12 +7917,8 @@
                         <a:t>, </a:t>
                       </a:r>
                       <a:r>
-                        <a:rPr lang="ko-KR" altLang="en-US" sz="1600" b="1" baseline="0"/>
-                        <a:t>출력 기능 </a:t>
-                      </a:r>
-                      <a:r>
                         <a:rPr lang="ko-KR" altLang="en-US" sz="1600" b="1" baseline="0" dirty="0"/>
-                        <a:t>구현</a:t>
+                        <a:t>출력 기능 등 구현</a:t>
                       </a:r>
                       <a:endParaRPr lang="ko-KR" altLang="en-US" sz="1600" b="1" dirty="0"/>
                     </a:p>
@@ -8510,7 +8522,7 @@
         </p:nvSpPr>
         <p:spPr>
           <a:xfrm>
-            <a:off x="10597906" y="1801787"/>
+            <a:off x="10610094" y="1801787"/>
             <a:ext cx="362701" cy="344005"/>
           </a:xfrm>
           <a:prstGeom prst="ellipse">
@@ -8562,7 +8574,7 @@
         </p:nvSpPr>
         <p:spPr>
           <a:xfrm>
-            <a:off x="10597905" y="2986336"/>
+            <a:off x="10610095" y="2986813"/>
             <a:ext cx="362701" cy="344005"/>
           </a:xfrm>
           <a:prstGeom prst="ellipse">
